--- a/Presentation.pptx
+++ b/Presentation.pptx
@@ -5,8 +5,10 @@
     <p:sldMasterId id="2147483648" r:id="rId1"/>
   </p:sldMasterIdLst>
   <p:sldIdLst>
-    <p:sldId id="256" r:id="rId2"/>
-    <p:sldId id="257" r:id="rId3"/>
+    <p:sldId id="258" r:id="rId2"/>
+    <p:sldId id="256" r:id="rId3"/>
+    <p:sldId id="257" r:id="rId4"/>
+    <p:sldId id="259" r:id="rId5"/>
   </p:sldIdLst>
   <p:sldSz cx="12192000" cy="6858000"/>
   <p:notesSz cx="6858000" cy="9144000"/>
@@ -3329,6 +3331,14 @@
 <file path=ppt/slides/slide1.xml><?xml version="1.0" encoding="utf-8"?>
 <p:sld xmlns:a="http://schemas.openxmlformats.org/drawingml/2006/main" xmlns:r="http://schemas.openxmlformats.org/officeDocument/2006/relationships" xmlns:p="http://schemas.openxmlformats.org/presentationml/2006/main">
   <p:cSld>
+    <p:bg>
+      <p:bgPr>
+        <a:solidFill>
+          <a:schemeClr val="bg1"/>
+        </a:solidFill>
+        <a:effectLst/>
+      </p:bgPr>
+    </p:bg>
     <p:spTree>
       <p:nvGrpSpPr>
         <p:cNvPr id="1" name=""/>
@@ -3345,111 +3355,83 @@
       </p:grpSpPr>
       <p:sp>
         <p:nvSpPr>
-          <p:cNvPr id="2" name="Title 1">
-            <a:extLst>
-              <a:ext uri="{FF2B5EF4-FFF2-40B4-BE49-F238E27FC236}">
-                <a16:creationId xmlns:a16="http://schemas.microsoft.com/office/drawing/2014/main" id="{D721811F-64F4-0BB1-3351-1B92D690F3C4}"/>
-              </a:ext>
-            </a:extLst>
-          </p:cNvPr>
-          <p:cNvSpPr>
-            <a:spLocks noGrp="1"/>
-          </p:cNvSpPr>
-          <p:nvPr>
-            <p:ph type="ctrTitle"/>
-          </p:nvPr>
+          <p:cNvPr id="4" name="Title 1">
+            <a:extLst>
+              <a:ext uri="{FF2B5EF4-FFF2-40B4-BE49-F238E27FC236}">
+                <a16:creationId xmlns:a16="http://schemas.microsoft.com/office/drawing/2014/main" id="{EA53B27F-23DE-ED88-6790-9B3A9C52CE1A}"/>
+              </a:ext>
+            </a:extLst>
+          </p:cNvPr>
+          <p:cNvSpPr txBox="1">
+            <a:spLocks/>
+          </p:cNvSpPr>
+          <p:nvPr/>
         </p:nvSpPr>
         <p:spPr>
           <a:xfrm>
-            <a:off x="794952" y="788276"/>
-            <a:ext cx="5206456" cy="811924"/>
+            <a:off x="596626" y="4220276"/>
+            <a:ext cx="4963346" cy="2452687"/>
           </a:xfrm>
+          <a:prstGeom prst="rect">
+            <a:avLst/>
+          </a:prstGeom>
         </p:spPr>
         <p:txBody>
-          <a:bodyPr>
-            <a:normAutofit/>
+          <a:bodyPr vert="horz" lIns="91440" tIns="45720" rIns="91440" bIns="45720" rtlCol="0" anchor="ctr">
+            <a:noAutofit/>
           </a:bodyPr>
-          <a:lstStyle/>
-          <a:p>
-            <a:r>
-              <a:rPr lang="en-US" sz="4000" b="1" dirty="0">
+          <a:lstStyle>
+            <a:lvl1pPr algn="l" defTabSz="914400" rtl="0" eaLnBrk="1" latinLnBrk="0" hangingPunct="1">
+              <a:lnSpc>
+                <a:spcPct val="90000"/>
+              </a:lnSpc>
+              <a:spcBef>
+                <a:spcPct val="0"/>
+              </a:spcBef>
+              <a:buNone/>
+              <a:defRPr sz="4400" kern="1200">
+                <a:solidFill>
+                  <a:schemeClr val="tx1"/>
+                </a:solidFill>
+                <a:latin typeface="+mj-lt"/>
+                <a:ea typeface="+mj-ea"/>
+                <a:cs typeface="+mj-cs"/>
+              </a:defRPr>
+            </a:lvl1pPr>
+          </a:lstStyle>
+          <a:p>
+            <a:pPr>
+              <a:spcAft>
+                <a:spcPts val="600"/>
+              </a:spcAft>
+            </a:pPr>
+            <a:r>
+              <a:rPr lang="en-US" b="1" dirty="0">
                 <a:latin typeface="Helvetica" pitchFamily="2" charset="0"/>
               </a:rPr>
-              <a:t>Current time zones</a:t>
-            </a:r>
-          </a:p>
-        </p:txBody>
-      </p:sp>
-      <p:sp>
-        <p:nvSpPr>
-          <p:cNvPr id="3" name="Subtitle 2">
-            <a:extLst>
-              <a:ext uri="{FF2B5EF4-FFF2-40B4-BE49-F238E27FC236}">
-                <a16:creationId xmlns:a16="http://schemas.microsoft.com/office/drawing/2014/main" id="{DFBF3990-5147-8CF2-7005-326BCAB31D91}"/>
-              </a:ext>
-            </a:extLst>
-          </p:cNvPr>
-          <p:cNvSpPr>
-            <a:spLocks noGrp="1"/>
-          </p:cNvSpPr>
-          <p:nvPr>
-            <p:ph type="subTitle" idx="1"/>
-          </p:nvPr>
-        </p:nvSpPr>
-        <p:spPr>
-          <a:xfrm>
-            <a:off x="0" y="6046076"/>
-            <a:ext cx="7872248" cy="811924"/>
-          </a:xfrm>
-        </p:spPr>
-        <p:txBody>
-          <a:bodyPr>
-            <a:normAutofit/>
-          </a:bodyPr>
-          <a:lstStyle/>
-          <a:p>
-            <a:pPr algn="l"/>
-            <a:r>
-              <a:rPr lang="en-US" sz="1100" b="1" dirty="0"/>
-              <a:t>References:</a:t>
-            </a:r>
-          </a:p>
-          <a:p>
-            <a:pPr algn="l"/>
-            <a:r>
-              <a:rPr lang="en-US" sz="900" dirty="0">
-                <a:hlinkClick r:id="rId2"/>
+              <a:t>shifting </a:t>
+            </a:r>
+            <a:r>
+              <a:rPr lang="en-US" b="1" dirty="0" err="1">
+                <a:latin typeface="Helvetica" pitchFamily="2" charset="0"/>
               </a:rPr>
-              <a:t>https://www.researchgate.net/figure/A-map-of-Europe-equivalent-to-Figure-1-the-actual-sun-based-time-zones-are-drawn-as_fig2_335021442</a:t>
-            </a:r>
-            <a:endParaRPr lang="en-US" sz="900" dirty="0"/>
-          </a:p>
-          <a:p>
-            <a:pPr algn="l"/>
-            <a:r>
-              <a:rPr lang="en-US" sz="900" dirty="0">
-                <a:hlinkClick r:id="rId3"/>
+              <a:t>european</a:t>
+            </a:r>
+            <a:r>
+              <a:rPr lang="en-US" b="1" dirty="0">
+                <a:latin typeface="Helvetica" pitchFamily="2" charset="0"/>
               </a:rPr>
-              <a:t>https://www.vecteezy.com/vector-art/5353680-doodle-freehand-drawing-of-europe-map</a:t>
-            </a:r>
-            <a:endParaRPr lang="en-US" sz="900" dirty="0"/>
-          </a:p>
-          <a:p>
-            <a:pPr algn="l"/>
-            <a:endParaRPr lang="en-US" sz="900" dirty="0"/>
-          </a:p>
-          <a:p>
-            <a:pPr algn="l"/>
-            <a:endParaRPr lang="en-US" sz="2000" dirty="0"/>
+              <a:t> time zones to reduce peak energy demand</a:t>
+            </a:r>
           </a:p>
         </p:txBody>
       </p:sp>
       <p:pic>
         <p:nvPicPr>
-          <p:cNvPr id="5" name="Picture 4" descr="Map&#10;&#10;Description automatically generated">
-            <a:extLst>
-              <a:ext uri="{FF2B5EF4-FFF2-40B4-BE49-F238E27FC236}">
-                <a16:creationId xmlns:a16="http://schemas.microsoft.com/office/drawing/2014/main" id="{351D30E6-3725-AE76-8438-3EB3BF974723}"/>
+          <p:cNvPr id="6" name="Picture 5" descr="Map&#10;&#10;Description automatically generated">
+            <a:extLst>
+              <a:ext uri="{FF2B5EF4-FFF2-40B4-BE49-F238E27FC236}">
+                <a16:creationId xmlns:a16="http://schemas.microsoft.com/office/drawing/2014/main" id="{E38E4B56-C44A-E474-F819-F8E243BAA0B0}"/>
               </a:ext>
             </a:extLst>
           </p:cNvPr>
@@ -3458,26 +3440,515 @@
           </p:cNvPicPr>
           <p:nvPr/>
         </p:nvPicPr>
-        <p:blipFill>
-          <a:blip r:embed="rId4"/>
-          <a:stretch>
-            <a:fillRect/>
-          </a:stretch>
+        <p:blipFill rotWithShape="1">
+          <a:blip r:embed="rId2"/>
+          <a:srcRect t="13254" b="8975"/>
+          <a:stretch/>
         </p:blipFill>
         <p:spPr>
           <a:xfrm>
-            <a:off x="6282168" y="701064"/>
-            <a:ext cx="3492454" cy="5455872"/>
+            <a:off x="0" y="504496"/>
+            <a:ext cx="12191980" cy="3531927"/>
+          </a:xfrm>
+          <a:custGeom>
+            <a:avLst/>
+            <a:gdLst/>
+            <a:ahLst/>
+            <a:cxnLst/>
+            <a:rect l="l" t="t" r="r" b="b"/>
+            <a:pathLst>
+              <a:path w="12192000" h="3692092">
+                <a:moveTo>
+                  <a:pt x="0" y="0"/>
+                </a:moveTo>
+                <a:lnTo>
+                  <a:pt x="12192000" y="0"/>
+                </a:lnTo>
+                <a:lnTo>
+                  <a:pt x="12192000" y="3504824"/>
+                </a:lnTo>
+                <a:lnTo>
+                  <a:pt x="12024691" y="3517794"/>
+                </a:lnTo>
+                <a:cubicBezTo>
+                  <a:pt x="8077523" y="3783195"/>
+                  <a:pt x="4094678" y="3026959"/>
+                  <a:pt x="160485" y="3663863"/>
+                </a:cubicBezTo>
+                <a:lnTo>
+                  <a:pt x="0" y="3692092"/>
+                </a:lnTo>
+                <a:close/>
+              </a:path>
+            </a:pathLst>
+          </a:custGeom>
+        </p:spPr>
+      </p:pic>
+      <p:sp>
+        <p:nvSpPr>
+          <p:cNvPr id="7" name="Subtitle 2">
+            <a:extLst>
+              <a:ext uri="{FF2B5EF4-FFF2-40B4-BE49-F238E27FC236}">
+                <a16:creationId xmlns:a16="http://schemas.microsoft.com/office/drawing/2014/main" id="{C7249A8E-0D7D-43B3-0452-8EE53CF3447D}"/>
+              </a:ext>
+            </a:extLst>
+          </p:cNvPr>
+          <p:cNvSpPr txBox="1">
+            <a:spLocks/>
+          </p:cNvSpPr>
+          <p:nvPr/>
+        </p:nvSpPr>
+        <p:spPr>
+          <a:xfrm>
+            <a:off x="8326730" y="6353504"/>
+            <a:ext cx="3949352" cy="638918"/>
           </a:xfrm>
           <a:prstGeom prst="rect">
             <a:avLst/>
           </a:prstGeom>
         </p:spPr>
-      </p:pic>
+        <p:txBody>
+          <a:bodyPr vert="horz" lIns="91440" tIns="45720" rIns="91440" bIns="45720" rtlCol="0" anchor="ctr">
+            <a:normAutofit/>
+          </a:bodyPr>
+          <a:lstStyle>
+            <a:lvl1pPr marL="228600" indent="-228600" algn="l" defTabSz="914400" rtl="0" eaLnBrk="1" latinLnBrk="0" hangingPunct="1">
+              <a:lnSpc>
+                <a:spcPct val="90000"/>
+              </a:lnSpc>
+              <a:spcBef>
+                <a:spcPts val="1000"/>
+              </a:spcBef>
+              <a:buFont typeface="Arial" panose="020B0604020202020204" pitchFamily="34" charset="0"/>
+              <a:buChar char="•"/>
+              <a:defRPr sz="2800" kern="1200">
+                <a:solidFill>
+                  <a:schemeClr val="tx1"/>
+                </a:solidFill>
+                <a:latin typeface="+mn-lt"/>
+                <a:ea typeface="+mn-ea"/>
+                <a:cs typeface="+mn-cs"/>
+              </a:defRPr>
+            </a:lvl1pPr>
+            <a:lvl2pPr marL="685800" indent="-228600" algn="l" defTabSz="914400" rtl="0" eaLnBrk="1" latinLnBrk="0" hangingPunct="1">
+              <a:lnSpc>
+                <a:spcPct val="90000"/>
+              </a:lnSpc>
+              <a:spcBef>
+                <a:spcPts val="500"/>
+              </a:spcBef>
+              <a:buFont typeface="Arial" panose="020B0604020202020204" pitchFamily="34" charset="0"/>
+              <a:buChar char="•"/>
+              <a:defRPr sz="2400" kern="1200">
+                <a:solidFill>
+                  <a:schemeClr val="tx1"/>
+                </a:solidFill>
+                <a:latin typeface="+mn-lt"/>
+                <a:ea typeface="+mn-ea"/>
+                <a:cs typeface="+mn-cs"/>
+              </a:defRPr>
+            </a:lvl2pPr>
+            <a:lvl3pPr marL="1143000" indent="-228600" algn="l" defTabSz="914400" rtl="0" eaLnBrk="1" latinLnBrk="0" hangingPunct="1">
+              <a:lnSpc>
+                <a:spcPct val="90000"/>
+              </a:lnSpc>
+              <a:spcBef>
+                <a:spcPts val="500"/>
+              </a:spcBef>
+              <a:buFont typeface="Arial" panose="020B0604020202020204" pitchFamily="34" charset="0"/>
+              <a:buChar char="•"/>
+              <a:defRPr sz="2000" kern="1200">
+                <a:solidFill>
+                  <a:schemeClr val="tx1"/>
+                </a:solidFill>
+                <a:latin typeface="+mn-lt"/>
+                <a:ea typeface="+mn-ea"/>
+                <a:cs typeface="+mn-cs"/>
+              </a:defRPr>
+            </a:lvl3pPr>
+            <a:lvl4pPr marL="1600200" indent="-228600" algn="l" defTabSz="914400" rtl="0" eaLnBrk="1" latinLnBrk="0" hangingPunct="1">
+              <a:lnSpc>
+                <a:spcPct val="90000"/>
+              </a:lnSpc>
+              <a:spcBef>
+                <a:spcPts val="500"/>
+              </a:spcBef>
+              <a:buFont typeface="Arial" panose="020B0604020202020204" pitchFamily="34" charset="0"/>
+              <a:buChar char="•"/>
+              <a:defRPr sz="1800" kern="1200">
+                <a:solidFill>
+                  <a:schemeClr val="tx1"/>
+                </a:solidFill>
+                <a:latin typeface="+mn-lt"/>
+                <a:ea typeface="+mn-ea"/>
+                <a:cs typeface="+mn-cs"/>
+              </a:defRPr>
+            </a:lvl4pPr>
+            <a:lvl5pPr marL="2057400" indent="-228600" algn="l" defTabSz="914400" rtl="0" eaLnBrk="1" latinLnBrk="0" hangingPunct="1">
+              <a:lnSpc>
+                <a:spcPct val="90000"/>
+              </a:lnSpc>
+              <a:spcBef>
+                <a:spcPts val="500"/>
+              </a:spcBef>
+              <a:buFont typeface="Arial" panose="020B0604020202020204" pitchFamily="34" charset="0"/>
+              <a:buChar char="•"/>
+              <a:defRPr sz="1800" kern="1200">
+                <a:solidFill>
+                  <a:schemeClr val="tx1"/>
+                </a:solidFill>
+                <a:latin typeface="+mn-lt"/>
+                <a:ea typeface="+mn-ea"/>
+                <a:cs typeface="+mn-cs"/>
+              </a:defRPr>
+            </a:lvl5pPr>
+            <a:lvl6pPr marL="2514600" indent="-228600" algn="l" defTabSz="914400" rtl="0" eaLnBrk="1" latinLnBrk="0" hangingPunct="1">
+              <a:lnSpc>
+                <a:spcPct val="90000"/>
+              </a:lnSpc>
+              <a:spcBef>
+                <a:spcPts val="500"/>
+              </a:spcBef>
+              <a:buFont typeface="Arial" panose="020B0604020202020204" pitchFamily="34" charset="0"/>
+              <a:buChar char="•"/>
+              <a:defRPr sz="1800" kern="1200">
+                <a:solidFill>
+                  <a:schemeClr val="tx1"/>
+                </a:solidFill>
+                <a:latin typeface="+mn-lt"/>
+                <a:ea typeface="+mn-ea"/>
+                <a:cs typeface="+mn-cs"/>
+              </a:defRPr>
+            </a:lvl6pPr>
+            <a:lvl7pPr marL="2971800" indent="-228600" algn="l" defTabSz="914400" rtl="0" eaLnBrk="1" latinLnBrk="0" hangingPunct="1">
+              <a:lnSpc>
+                <a:spcPct val="90000"/>
+              </a:lnSpc>
+              <a:spcBef>
+                <a:spcPts val="500"/>
+              </a:spcBef>
+              <a:buFont typeface="Arial" panose="020B0604020202020204" pitchFamily="34" charset="0"/>
+              <a:buChar char="•"/>
+              <a:defRPr sz="1800" kern="1200">
+                <a:solidFill>
+                  <a:schemeClr val="tx1"/>
+                </a:solidFill>
+                <a:latin typeface="+mn-lt"/>
+                <a:ea typeface="+mn-ea"/>
+                <a:cs typeface="+mn-cs"/>
+              </a:defRPr>
+            </a:lvl7pPr>
+            <a:lvl8pPr marL="3429000" indent="-228600" algn="l" defTabSz="914400" rtl="0" eaLnBrk="1" latinLnBrk="0" hangingPunct="1">
+              <a:lnSpc>
+                <a:spcPct val="90000"/>
+              </a:lnSpc>
+              <a:spcBef>
+                <a:spcPts val="500"/>
+              </a:spcBef>
+              <a:buFont typeface="Arial" panose="020B0604020202020204" pitchFamily="34" charset="0"/>
+              <a:buChar char="•"/>
+              <a:defRPr sz="1800" kern="1200">
+                <a:solidFill>
+                  <a:schemeClr val="tx1"/>
+                </a:solidFill>
+                <a:latin typeface="+mn-lt"/>
+                <a:ea typeface="+mn-ea"/>
+                <a:cs typeface="+mn-cs"/>
+              </a:defRPr>
+            </a:lvl8pPr>
+            <a:lvl9pPr marL="3886200" indent="-228600" algn="l" defTabSz="914400" rtl="0" eaLnBrk="1" latinLnBrk="0" hangingPunct="1">
+              <a:lnSpc>
+                <a:spcPct val="90000"/>
+              </a:lnSpc>
+              <a:spcBef>
+                <a:spcPts val="500"/>
+              </a:spcBef>
+              <a:buFont typeface="Arial" panose="020B0604020202020204" pitchFamily="34" charset="0"/>
+              <a:buChar char="•"/>
+              <a:defRPr sz="1800" kern="1200">
+                <a:solidFill>
+                  <a:schemeClr val="tx1"/>
+                </a:solidFill>
+                <a:latin typeface="+mn-lt"/>
+                <a:ea typeface="+mn-ea"/>
+                <a:cs typeface="+mn-cs"/>
+              </a:defRPr>
+            </a:lvl9pPr>
+          </a:lstStyle>
+          <a:p>
+            <a:pPr marL="0" indent="0">
+              <a:buNone/>
+            </a:pPr>
+            <a:r>
+              <a:rPr lang="en-US" sz="700" b="1" dirty="0">
+                <a:solidFill>
+                  <a:schemeClr val="tx1">
+                    <a:lumMod val="65000"/>
+                    <a:lumOff val="35000"/>
+                  </a:schemeClr>
+                </a:solidFill>
+                <a:latin typeface="HELVETICA LIGHT" panose="020B0403020202020204" pitchFamily="34" charset="0"/>
+              </a:rPr>
+              <a:t>figure:</a:t>
+            </a:r>
+          </a:p>
+          <a:p>
+            <a:pPr marL="0" indent="0">
+              <a:buNone/>
+            </a:pPr>
+            <a:r>
+              <a:rPr lang="en-US" sz="700" dirty="0">
+                <a:solidFill>
+                  <a:schemeClr val="tx1">
+                    <a:lumMod val="65000"/>
+                    <a:lumOff val="35000"/>
+                  </a:schemeClr>
+                </a:solidFill>
+                <a:latin typeface="Helvetica Light" panose="020B0403020202020204" pitchFamily="34" charset="0"/>
+                <a:hlinkClick r:id="rId3">
+                  <a:extLst>
+                    <a:ext uri="{A12FA001-AC4F-418D-AE19-62706E023703}">
+                      <ahyp:hlinkClr xmlns:ahyp="http://schemas.microsoft.com/office/drawing/2018/hyperlinkcolor" val="tx"/>
+                    </a:ext>
+                  </a:extLst>
+                </a:hlinkClick>
+              </a:rPr>
+              <a:t>https://www.researchgate.net/figure/A-map-of-Europe-equivalent-to-Figure-1-the-actual-sun-based-time-zones-are-drawn-as_fig2_335021442</a:t>
+            </a:r>
+            <a:endParaRPr lang="en-US" sz="700" dirty="0">
+              <a:solidFill>
+                <a:schemeClr val="tx1">
+                  <a:lumMod val="65000"/>
+                  <a:lumOff val="35000"/>
+                </a:schemeClr>
+              </a:solidFill>
+              <a:latin typeface="Helvetica Light" panose="020B0403020202020204" pitchFamily="34" charset="0"/>
+            </a:endParaRPr>
+          </a:p>
+          <a:p>
+            <a:endParaRPr lang="en-US" sz="700" dirty="0">
+              <a:latin typeface="Helvetica Light" panose="020B0403020202020204" pitchFamily="34" charset="0"/>
+            </a:endParaRPr>
+          </a:p>
+        </p:txBody>
+      </p:sp>
+      <p:sp>
+        <p:nvSpPr>
+          <p:cNvPr id="8" name="Title 1">
+            <a:extLst>
+              <a:ext uri="{FF2B5EF4-FFF2-40B4-BE49-F238E27FC236}">
+                <a16:creationId xmlns:a16="http://schemas.microsoft.com/office/drawing/2014/main" id="{B729CB26-93DE-A593-65CE-6134E259E796}"/>
+              </a:ext>
+            </a:extLst>
+          </p:cNvPr>
+          <p:cNvSpPr txBox="1">
+            <a:spLocks/>
+          </p:cNvSpPr>
+          <p:nvPr/>
+        </p:nvSpPr>
+        <p:spPr>
+          <a:xfrm>
+            <a:off x="1520166" y="148172"/>
+            <a:ext cx="1128441" cy="441434"/>
+          </a:xfrm>
+          <a:prstGeom prst="rect">
+            <a:avLst/>
+          </a:prstGeom>
+        </p:spPr>
+        <p:txBody>
+          <a:bodyPr vert="horz" lIns="91440" tIns="45720" rIns="91440" bIns="45720" rtlCol="0" anchor="ctr">
+            <a:normAutofit/>
+          </a:bodyPr>
+          <a:lstStyle>
+            <a:lvl1pPr algn="l" defTabSz="914400" rtl="0" eaLnBrk="1" latinLnBrk="0" hangingPunct="1">
+              <a:lnSpc>
+                <a:spcPct val="90000"/>
+              </a:lnSpc>
+              <a:spcBef>
+                <a:spcPct val="0"/>
+              </a:spcBef>
+              <a:buNone/>
+              <a:defRPr sz="4400" kern="1200">
+                <a:solidFill>
+                  <a:schemeClr val="tx1"/>
+                </a:solidFill>
+                <a:latin typeface="+mj-lt"/>
+                <a:ea typeface="+mj-ea"/>
+                <a:cs typeface="+mj-cs"/>
+              </a:defRPr>
+            </a:lvl1pPr>
+          </a:lstStyle>
+          <a:p>
+            <a:r>
+              <a:rPr lang="en-US" sz="2000" dirty="0">
+                <a:solidFill>
+                  <a:schemeClr val="tx1">
+                    <a:lumMod val="65000"/>
+                    <a:lumOff val="35000"/>
+                  </a:schemeClr>
+                </a:solidFill>
+                <a:latin typeface="Helvetica Light" panose="020B0403020202020204" pitchFamily="34" charset="0"/>
+              </a:rPr>
+              <a:t>current</a:t>
+            </a:r>
+            <a:endParaRPr lang="en-US" sz="2000" dirty="0">
+              <a:solidFill>
+                <a:schemeClr val="tx1">
+                  <a:lumMod val="65000"/>
+                  <a:lumOff val="35000"/>
+                </a:schemeClr>
+              </a:solidFill>
+              <a:latin typeface="Helvetica Light" panose="020B0403020202020204" pitchFamily="34" charset="0"/>
+            </a:endParaRPr>
+          </a:p>
+        </p:txBody>
+      </p:sp>
+      <p:sp>
+        <p:nvSpPr>
+          <p:cNvPr id="9" name="Title 1">
+            <a:extLst>
+              <a:ext uri="{FF2B5EF4-FFF2-40B4-BE49-F238E27FC236}">
+                <a16:creationId xmlns:a16="http://schemas.microsoft.com/office/drawing/2014/main" id="{06452752-56CA-8C3C-57C9-93AC1050FCE7}"/>
+              </a:ext>
+            </a:extLst>
+          </p:cNvPr>
+          <p:cNvSpPr txBox="1">
+            <a:spLocks/>
+          </p:cNvSpPr>
+          <p:nvPr/>
+        </p:nvSpPr>
+        <p:spPr>
+          <a:xfrm>
+            <a:off x="4978302" y="148172"/>
+            <a:ext cx="2235376" cy="441434"/>
+          </a:xfrm>
+          <a:prstGeom prst="rect">
+            <a:avLst/>
+          </a:prstGeom>
+        </p:spPr>
+        <p:txBody>
+          <a:bodyPr vert="horz" lIns="91440" tIns="45720" rIns="91440" bIns="45720" rtlCol="0" anchor="ctr">
+            <a:normAutofit/>
+          </a:bodyPr>
+          <a:lstStyle>
+            <a:lvl1pPr algn="l" defTabSz="914400" rtl="0" eaLnBrk="1" latinLnBrk="0" hangingPunct="1">
+              <a:lnSpc>
+                <a:spcPct val="90000"/>
+              </a:lnSpc>
+              <a:spcBef>
+                <a:spcPct val="0"/>
+              </a:spcBef>
+              <a:buNone/>
+              <a:defRPr sz="4400" kern="1200">
+                <a:solidFill>
+                  <a:schemeClr val="tx1"/>
+                </a:solidFill>
+                <a:latin typeface="+mj-lt"/>
+                <a:ea typeface="+mj-ea"/>
+                <a:cs typeface="+mj-cs"/>
+              </a:defRPr>
+            </a:lvl1pPr>
+          </a:lstStyle>
+          <a:p>
+            <a:r>
+              <a:rPr lang="en-US" sz="2000" dirty="0">
+                <a:solidFill>
+                  <a:schemeClr val="tx1">
+                    <a:lumMod val="65000"/>
+                    <a:lumOff val="35000"/>
+                  </a:schemeClr>
+                </a:solidFill>
+                <a:latin typeface="Helvetica Light" panose="020B0403020202020204" pitchFamily="34" charset="0"/>
+              </a:rPr>
+              <a:t>daylight savings</a:t>
+            </a:r>
+            <a:endParaRPr lang="en-US" sz="2000" dirty="0">
+              <a:solidFill>
+                <a:schemeClr val="tx1">
+                  <a:lumMod val="65000"/>
+                  <a:lumOff val="35000"/>
+                </a:schemeClr>
+              </a:solidFill>
+              <a:latin typeface="Helvetica Light" panose="020B0403020202020204" pitchFamily="34" charset="0"/>
+            </a:endParaRPr>
+          </a:p>
+        </p:txBody>
+      </p:sp>
+      <p:sp>
+        <p:nvSpPr>
+          <p:cNvPr id="10" name="Title 1">
+            <a:extLst>
+              <a:ext uri="{FF2B5EF4-FFF2-40B4-BE49-F238E27FC236}">
+                <a16:creationId xmlns:a16="http://schemas.microsoft.com/office/drawing/2014/main" id="{7D464494-3F99-BE33-6AFA-E32735DF3FE6}"/>
+              </a:ext>
+            </a:extLst>
+          </p:cNvPr>
+          <p:cNvSpPr txBox="1">
+            <a:spLocks/>
+          </p:cNvSpPr>
+          <p:nvPr/>
+        </p:nvSpPr>
+        <p:spPr>
+          <a:xfrm>
+            <a:off x="9554146" y="148172"/>
+            <a:ext cx="2235376" cy="441434"/>
+          </a:xfrm>
+          <a:prstGeom prst="rect">
+            <a:avLst/>
+          </a:prstGeom>
+        </p:spPr>
+        <p:txBody>
+          <a:bodyPr vert="horz" lIns="91440" tIns="45720" rIns="91440" bIns="45720" rtlCol="0" anchor="ctr">
+            <a:normAutofit/>
+          </a:bodyPr>
+          <a:lstStyle>
+            <a:lvl1pPr algn="l" defTabSz="914400" rtl="0" eaLnBrk="1" latinLnBrk="0" hangingPunct="1">
+              <a:lnSpc>
+                <a:spcPct val="90000"/>
+              </a:lnSpc>
+              <a:spcBef>
+                <a:spcPct val="0"/>
+              </a:spcBef>
+              <a:buNone/>
+              <a:defRPr sz="4400" kern="1200">
+                <a:solidFill>
+                  <a:schemeClr val="tx1"/>
+                </a:solidFill>
+                <a:latin typeface="+mj-lt"/>
+                <a:ea typeface="+mj-ea"/>
+                <a:cs typeface="+mj-cs"/>
+              </a:defRPr>
+            </a:lvl1pPr>
+          </a:lstStyle>
+          <a:p>
+            <a:r>
+              <a:rPr lang="en-US" sz="2000" dirty="0">
+                <a:solidFill>
+                  <a:schemeClr val="tx1">
+                    <a:lumMod val="65000"/>
+                    <a:lumOff val="35000"/>
+                  </a:schemeClr>
+                </a:solidFill>
+                <a:latin typeface="Helvetica Light" panose="020B0403020202020204" pitchFamily="34" charset="0"/>
+              </a:rPr>
+              <a:t>circadian</a:t>
+            </a:r>
+            <a:endParaRPr lang="en-US" sz="2000" dirty="0">
+              <a:solidFill>
+                <a:schemeClr val="tx1">
+                  <a:lumMod val="65000"/>
+                  <a:lumOff val="35000"/>
+                </a:schemeClr>
+              </a:solidFill>
+              <a:latin typeface="Helvetica Light" panose="020B0403020202020204" pitchFamily="34" charset="0"/>
+            </a:endParaRPr>
+          </a:p>
+        </p:txBody>
+      </p:sp>
     </p:spTree>
     <p:extLst>
       <p:ext uri="{BB962C8B-B14F-4D97-AF65-F5344CB8AC3E}">
-        <p14:creationId xmlns:p14="http://schemas.microsoft.com/office/powerpoint/2010/main" val="288482525"/>
+        <p14:creationId xmlns:p14="http://schemas.microsoft.com/office/powerpoint/2010/main" val="2366540799"/>
       </p:ext>
     </p:extLst>
   </p:cSld>
@@ -3504,41 +3975,236 @@
           <a:chExt cx="0" cy="0"/>
         </a:xfrm>
       </p:grpSpPr>
+      <p:sp>
+        <p:nvSpPr>
+          <p:cNvPr id="2" name="Title 1">
+            <a:extLst>
+              <a:ext uri="{FF2B5EF4-FFF2-40B4-BE49-F238E27FC236}">
+                <a16:creationId xmlns:a16="http://schemas.microsoft.com/office/drawing/2014/main" id="{D721811F-64F4-0BB1-3351-1B92D690F3C4}"/>
+              </a:ext>
+            </a:extLst>
+          </p:cNvPr>
+          <p:cNvSpPr>
+            <a:spLocks noGrp="1"/>
+          </p:cNvSpPr>
+          <p:nvPr>
+            <p:ph type="ctrTitle"/>
+          </p:nvPr>
+        </p:nvSpPr>
+        <p:spPr>
+          <a:xfrm>
+            <a:off x="6096000" y="701064"/>
+            <a:ext cx="5206456" cy="811924"/>
+          </a:xfrm>
+        </p:spPr>
+        <p:txBody>
+          <a:bodyPr>
+            <a:normAutofit/>
+          </a:bodyPr>
+          <a:lstStyle/>
+          <a:p>
+            <a:r>
+              <a:rPr lang="en-US" sz="4000" b="1" dirty="0">
+                <a:latin typeface="Helvetica" pitchFamily="2" charset="0"/>
+              </a:rPr>
+              <a:t>current time zones</a:t>
+            </a:r>
+          </a:p>
+        </p:txBody>
+      </p:sp>
+      <p:sp>
+        <p:nvSpPr>
+          <p:cNvPr id="3" name="Subtitle 2">
+            <a:extLst>
+              <a:ext uri="{FF2B5EF4-FFF2-40B4-BE49-F238E27FC236}">
+                <a16:creationId xmlns:a16="http://schemas.microsoft.com/office/drawing/2014/main" id="{DFBF3990-5147-8CF2-7005-326BCAB31D91}"/>
+              </a:ext>
+            </a:extLst>
+          </p:cNvPr>
+          <p:cNvSpPr>
+            <a:spLocks noGrp="1"/>
+          </p:cNvSpPr>
+          <p:nvPr>
+            <p:ph type="subTitle" idx="1"/>
+          </p:nvPr>
+        </p:nvSpPr>
+        <p:spPr>
+          <a:xfrm>
+            <a:off x="8550876" y="6452038"/>
+            <a:ext cx="7872248" cy="811924"/>
+          </a:xfrm>
+        </p:spPr>
+        <p:txBody>
+          <a:bodyPr>
+            <a:normAutofit/>
+          </a:bodyPr>
+          <a:lstStyle/>
+          <a:p>
+            <a:pPr algn="l"/>
+            <a:r>
+              <a:rPr lang="en-US" sz="700" b="1" dirty="0">
+                <a:solidFill>
+                  <a:schemeClr val="tx1">
+                    <a:lumMod val="65000"/>
+                    <a:lumOff val="35000"/>
+                  </a:schemeClr>
+                </a:solidFill>
+                <a:latin typeface="HELVETICA LIGHT" panose="020B0403020202020204" pitchFamily="34" charset="0"/>
+              </a:rPr>
+              <a:t>vector image:</a:t>
+            </a:r>
+          </a:p>
+          <a:p>
+            <a:pPr algn="l"/>
+            <a:r>
+              <a:rPr lang="en-US" sz="700" dirty="0">
+                <a:solidFill>
+                  <a:schemeClr val="tx1">
+                    <a:lumMod val="65000"/>
+                    <a:lumOff val="35000"/>
+                  </a:schemeClr>
+                </a:solidFill>
+                <a:latin typeface="Helvetica Light" panose="020B0403020202020204" pitchFamily="34" charset="0"/>
+                <a:hlinkClick r:id="rId2">
+                  <a:extLst>
+                    <a:ext uri="{A12FA001-AC4F-418D-AE19-62706E023703}">
+                      <ahyp:hlinkClr xmlns:ahyp="http://schemas.microsoft.com/office/drawing/2018/hyperlinkcolor" val="tx"/>
+                    </a:ext>
+                  </a:extLst>
+                </a:hlinkClick>
+              </a:rPr>
+              <a:t>https://www.vecteezy.com/vector-art/5353680-doodle-freehand-drawing-of-europe-map</a:t>
+            </a:r>
+            <a:endParaRPr lang="en-US" sz="700" dirty="0">
+              <a:solidFill>
+                <a:schemeClr val="tx1">
+                  <a:lumMod val="65000"/>
+                  <a:lumOff val="35000"/>
+                </a:schemeClr>
+              </a:solidFill>
+              <a:latin typeface="Helvetica Light" panose="020B0403020202020204" pitchFamily="34" charset="0"/>
+            </a:endParaRPr>
+          </a:p>
+          <a:p>
+            <a:pPr algn="l"/>
+            <a:endParaRPr lang="en-US" sz="700" dirty="0">
+              <a:solidFill>
+                <a:schemeClr val="tx1">
+                  <a:lumMod val="65000"/>
+                  <a:lumOff val="35000"/>
+                </a:schemeClr>
+              </a:solidFill>
+              <a:latin typeface="Helvetica Light" panose="020B0403020202020204" pitchFamily="34" charset="0"/>
+            </a:endParaRPr>
+          </a:p>
+          <a:p>
+            <a:pPr algn="l"/>
+            <a:endParaRPr lang="en-US" sz="700" dirty="0">
+              <a:solidFill>
+                <a:schemeClr val="tx1">
+                  <a:lumMod val="65000"/>
+                  <a:lumOff val="35000"/>
+                </a:schemeClr>
+              </a:solidFill>
+              <a:latin typeface="Helvetica Light" panose="020B0403020202020204" pitchFamily="34" charset="0"/>
+            </a:endParaRPr>
+          </a:p>
+        </p:txBody>
+      </p:sp>
       <p:pic>
         <p:nvPicPr>
-          <p:cNvPr id="5" name="Content Placeholder 4" descr="Map&#10;&#10;Description automatically generated">
-            <a:extLst>
-              <a:ext uri="{FF2B5EF4-FFF2-40B4-BE49-F238E27FC236}">
-                <a16:creationId xmlns:a16="http://schemas.microsoft.com/office/drawing/2014/main" id="{B7FC4EF8-C990-2A50-BCD7-AE4440FDB3E4}"/>
+          <p:cNvPr id="5" name="Picture 4" descr="Map&#10;&#10;Description automatically generated">
+            <a:extLst>
+              <a:ext uri="{FF2B5EF4-FFF2-40B4-BE49-F238E27FC236}">
+                <a16:creationId xmlns:a16="http://schemas.microsoft.com/office/drawing/2014/main" id="{351D30E6-3725-AE76-8438-3EB3BF974723}"/>
               </a:ext>
             </a:extLst>
           </p:cNvPr>
           <p:cNvPicPr>
-            <a:picLocks noGrp="1" noChangeAspect="1"/>
+            <a:picLocks noChangeAspect="1"/>
           </p:cNvPicPr>
-          <p:nvPr>
-            <p:ph idx="1"/>
-          </p:nvPr>
+          <p:nvPr/>
         </p:nvPicPr>
         <p:blipFill>
-          <a:blip r:embed="rId2"/>
+          <a:blip r:embed="rId3"/>
           <a:stretch>
             <a:fillRect/>
           </a:stretch>
         </p:blipFill>
         <p:spPr>
           <a:xfrm>
-            <a:off x="6274675" y="693943"/>
-            <a:ext cx="5244362" cy="5491133"/>
+            <a:off x="729049" y="701064"/>
+            <a:ext cx="3492454" cy="5455872"/>
+          </a:xfrm>
+          <a:prstGeom prst="rect">
+            <a:avLst/>
+          </a:prstGeom>
+        </p:spPr>
+      </p:pic>
+    </p:spTree>
+    <p:extLst>
+      <p:ext uri="{BB962C8B-B14F-4D97-AF65-F5344CB8AC3E}">
+        <p14:creationId xmlns:p14="http://schemas.microsoft.com/office/powerpoint/2010/main" val="288482525"/>
+      </p:ext>
+    </p:extLst>
+  </p:cSld>
+  <p:clrMapOvr>
+    <a:masterClrMapping/>
+  </p:clrMapOvr>
+</p:sld>
+</file>
+
+<file path=ppt/slides/slide3.xml><?xml version="1.0" encoding="utf-8"?>
+<p:sld xmlns:a="http://schemas.openxmlformats.org/drawingml/2006/main" xmlns:r="http://schemas.openxmlformats.org/officeDocument/2006/relationships" xmlns:p="http://schemas.openxmlformats.org/presentationml/2006/main">
+  <p:cSld>
+    <p:spTree>
+      <p:nvGrpSpPr>
+        <p:cNvPr id="1" name=""/>
+        <p:cNvGrpSpPr/>
+        <p:nvPr/>
+      </p:nvGrpSpPr>
+      <p:grpSpPr>
+        <a:xfrm>
+          <a:off x="0" y="0"/>
+          <a:ext cx="0" cy="0"/>
+          <a:chOff x="0" y="0"/>
+          <a:chExt cx="0" cy="0"/>
+        </a:xfrm>
+      </p:grpSpPr>
+      <p:pic>
+        <p:nvPicPr>
+          <p:cNvPr id="5" name="Content Placeholder 4">
+            <a:extLst>
+              <a:ext uri="{FF2B5EF4-FFF2-40B4-BE49-F238E27FC236}">
+                <a16:creationId xmlns:a16="http://schemas.microsoft.com/office/drawing/2014/main" id="{B7FC4EF8-C990-2A50-BCD7-AE4440FDB3E4}"/>
+              </a:ext>
+            </a:extLst>
+          </p:cNvPr>
+          <p:cNvPicPr>
+            <a:picLocks noGrp="1" noChangeAspect="1"/>
+          </p:cNvPicPr>
+          <p:nvPr>
+            <p:ph idx="1"/>
+          </p:nvPr>
+        </p:nvPicPr>
+        <p:blipFill>
+          <a:blip r:embed="rId2"/>
+          <a:srcRect/>
+          <a:stretch/>
+        </p:blipFill>
+        <p:spPr>
+          <a:xfrm>
+            <a:off x="741405" y="683434"/>
+            <a:ext cx="5244362" cy="5491132"/>
           </a:xfrm>
         </p:spPr>
       </p:pic>
       <p:sp>
         <p:nvSpPr>
-          <p:cNvPr id="6" name="Title 1">
-            <a:extLst>
-              <a:ext uri="{FF2B5EF4-FFF2-40B4-BE49-F238E27FC236}">
-                <a16:creationId xmlns:a16="http://schemas.microsoft.com/office/drawing/2014/main" id="{77742E7E-BE14-437A-80C5-3D433F3307CE}"/>
+          <p:cNvPr id="8" name="Title 1">
+            <a:extLst>
+              <a:ext uri="{FF2B5EF4-FFF2-40B4-BE49-F238E27FC236}">
+                <a16:creationId xmlns:a16="http://schemas.microsoft.com/office/drawing/2014/main" id="{E39AE71E-0370-5068-542B-B8C4CBC0825A}"/>
               </a:ext>
             </a:extLst>
           </p:cNvPr>
@@ -3549,8 +4215,8 @@
         </p:nvSpPr>
         <p:spPr>
           <a:xfrm>
-            <a:off x="836992" y="872356"/>
-            <a:ext cx="5206456" cy="811924"/>
+            <a:off x="6817876" y="2292282"/>
+            <a:ext cx="3762703" cy="2531966"/>
           </a:xfrm>
           <a:prstGeom prst="rect">
             <a:avLst/>
@@ -3580,12 +4246,116 @@
             </a:lvl1pPr>
           </a:lstStyle>
           <a:p>
+            <a:pPr marL="342900" indent="-342900">
+              <a:buFont typeface="Arial" panose="020B0604020202020204" pitchFamily="34" charset="0"/>
+              <a:buChar char="•"/>
+            </a:pPr>
+            <a:r>
+              <a:rPr lang="en-US" sz="2000" dirty="0">
+                <a:solidFill>
+                  <a:schemeClr val="tx1">
+                    <a:lumMod val="65000"/>
+                    <a:lumOff val="35000"/>
+                  </a:schemeClr>
+                </a:solidFill>
+                <a:latin typeface="Helvetica Light" panose="020B0403020202020204" pitchFamily="34" charset="0"/>
+              </a:rPr>
+              <a:t>no shift more than one hour</a:t>
+            </a:r>
+          </a:p>
+          <a:p>
+            <a:endParaRPr lang="en-US" sz="2000" dirty="0">
+              <a:solidFill>
+                <a:schemeClr val="tx1">
+                  <a:lumMod val="65000"/>
+                  <a:lumOff val="35000"/>
+                </a:schemeClr>
+              </a:solidFill>
+              <a:latin typeface="Helvetica Light" panose="020B0403020202020204" pitchFamily="34" charset="0"/>
+            </a:endParaRPr>
+          </a:p>
+          <a:p>
+            <a:pPr marL="342900" indent="-342900">
+              <a:buFont typeface="Arial" panose="020B0604020202020204" pitchFamily="34" charset="0"/>
+              <a:buChar char="•"/>
+            </a:pPr>
+            <a:r>
+              <a:rPr lang="en-US" sz="2000" dirty="0">
+                <a:solidFill>
+                  <a:schemeClr val="tx1">
+                    <a:lumMod val="65000"/>
+                    <a:lumOff val="35000"/>
+                  </a:schemeClr>
+                </a:solidFill>
+                <a:latin typeface="Helvetica Light" panose="020B0403020202020204" pitchFamily="34" charset="0"/>
+              </a:rPr>
+              <a:t>largest economies all one hour apart to support each others peak demand</a:t>
+            </a:r>
+            <a:endParaRPr lang="en-US" sz="2000" dirty="0">
+              <a:solidFill>
+                <a:schemeClr val="tx1">
+                  <a:lumMod val="65000"/>
+                  <a:lumOff val="35000"/>
+                </a:schemeClr>
+              </a:solidFill>
+              <a:latin typeface="Helvetica Light" panose="020B0403020202020204" pitchFamily="34" charset="0"/>
+            </a:endParaRPr>
+          </a:p>
+        </p:txBody>
+      </p:sp>
+      <p:sp>
+        <p:nvSpPr>
+          <p:cNvPr id="9" name="Title 1">
+            <a:extLst>
+              <a:ext uri="{FF2B5EF4-FFF2-40B4-BE49-F238E27FC236}">
+                <a16:creationId xmlns:a16="http://schemas.microsoft.com/office/drawing/2014/main" id="{F85A3CC8-66AC-FDBA-9DED-6E6E263A22B1}"/>
+              </a:ext>
+            </a:extLst>
+          </p:cNvPr>
+          <p:cNvSpPr txBox="1">
+            <a:spLocks/>
+          </p:cNvSpPr>
+          <p:nvPr/>
+        </p:nvSpPr>
+        <p:spPr>
+          <a:xfrm>
+            <a:off x="6096000" y="701064"/>
+            <a:ext cx="5206456" cy="811924"/>
+          </a:xfrm>
+          <a:prstGeom prst="rect">
+            <a:avLst/>
+          </a:prstGeom>
+        </p:spPr>
+        <p:txBody>
+          <a:bodyPr vert="horz" lIns="91440" tIns="45720" rIns="91440" bIns="45720" rtlCol="0" anchor="ctr">
+            <a:normAutofit/>
+          </a:bodyPr>
+          <a:lstStyle>
+            <a:lvl1pPr algn="l" defTabSz="914400" rtl="0" eaLnBrk="1" latinLnBrk="0" hangingPunct="1">
+              <a:lnSpc>
+                <a:spcPct val="90000"/>
+              </a:lnSpc>
+              <a:spcBef>
+                <a:spcPct val="0"/>
+              </a:spcBef>
+              <a:buNone/>
+              <a:defRPr sz="4400" kern="1200">
+                <a:solidFill>
+                  <a:schemeClr val="tx1"/>
+                </a:solidFill>
+                <a:latin typeface="+mj-lt"/>
+                <a:ea typeface="+mj-ea"/>
+                <a:cs typeface="+mj-cs"/>
+              </a:defRPr>
+            </a:lvl1pPr>
+          </a:lstStyle>
+          <a:p>
             <a:pPr algn="ctr"/>
             <a:r>
               <a:rPr lang="en-US" sz="4000" b="1" dirty="0">
                 <a:latin typeface="Helvetica" pitchFamily="2" charset="0"/>
               </a:rPr>
-              <a:t>Proposed changes</a:t>
+              <a:t>proposed changes</a:t>
             </a:r>
           </a:p>
         </p:txBody>
@@ -3594,6 +4364,171 @@
     <p:extLst>
       <p:ext uri="{BB962C8B-B14F-4D97-AF65-F5344CB8AC3E}">
         <p14:creationId xmlns:p14="http://schemas.microsoft.com/office/powerpoint/2010/main" val="3726600793"/>
+      </p:ext>
+    </p:extLst>
+  </p:cSld>
+  <p:clrMapOvr>
+    <a:masterClrMapping/>
+  </p:clrMapOvr>
+</p:sld>
+</file>
+
+<file path=ppt/slides/slide4.xml><?xml version="1.0" encoding="utf-8"?>
+<p:sld xmlns:a="http://schemas.openxmlformats.org/drawingml/2006/main" xmlns:r="http://schemas.openxmlformats.org/officeDocument/2006/relationships" xmlns:p="http://schemas.openxmlformats.org/presentationml/2006/main">
+  <p:cSld>
+    <p:spTree>
+      <p:nvGrpSpPr>
+        <p:cNvPr id="1" name=""/>
+        <p:cNvGrpSpPr/>
+        <p:nvPr/>
+      </p:nvGrpSpPr>
+      <p:grpSpPr>
+        <a:xfrm>
+          <a:off x="0" y="0"/>
+          <a:ext cx="0" cy="0"/>
+          <a:chOff x="0" y="0"/>
+          <a:chExt cx="0" cy="0"/>
+        </a:xfrm>
+      </p:grpSpPr>
+      <p:sp>
+        <p:nvSpPr>
+          <p:cNvPr id="6" name="Title 1">
+            <a:extLst>
+              <a:ext uri="{FF2B5EF4-FFF2-40B4-BE49-F238E27FC236}">
+                <a16:creationId xmlns:a16="http://schemas.microsoft.com/office/drawing/2014/main" id="{77742E7E-BE14-437A-80C5-3D433F3307CE}"/>
+              </a:ext>
+            </a:extLst>
+          </p:cNvPr>
+          <p:cNvSpPr txBox="1">
+            <a:spLocks/>
+          </p:cNvSpPr>
+          <p:nvPr/>
+        </p:nvSpPr>
+        <p:spPr>
+          <a:xfrm>
+            <a:off x="3492772" y="683170"/>
+            <a:ext cx="5206456" cy="811924"/>
+          </a:xfrm>
+          <a:prstGeom prst="rect">
+            <a:avLst/>
+          </a:prstGeom>
+        </p:spPr>
+        <p:txBody>
+          <a:bodyPr vert="horz" lIns="91440" tIns="45720" rIns="91440" bIns="45720" rtlCol="0" anchor="ctr">
+            <a:normAutofit/>
+          </a:bodyPr>
+          <a:lstStyle>
+            <a:lvl1pPr algn="l" defTabSz="914400" rtl="0" eaLnBrk="1" latinLnBrk="0" hangingPunct="1">
+              <a:lnSpc>
+                <a:spcPct val="90000"/>
+              </a:lnSpc>
+              <a:spcBef>
+                <a:spcPct val="0"/>
+              </a:spcBef>
+              <a:buNone/>
+              <a:defRPr sz="4400" kern="1200">
+                <a:solidFill>
+                  <a:schemeClr val="tx1"/>
+                </a:solidFill>
+                <a:latin typeface="+mj-lt"/>
+                <a:ea typeface="+mj-ea"/>
+                <a:cs typeface="+mj-cs"/>
+              </a:defRPr>
+            </a:lvl1pPr>
+          </a:lstStyle>
+          <a:p>
+            <a:pPr algn="ctr"/>
+            <a:r>
+              <a:rPr lang="en-US" sz="4000" b="1" dirty="0">
+                <a:latin typeface="Helvetica" pitchFamily="2" charset="0"/>
+              </a:rPr>
+              <a:t>methodology</a:t>
+            </a:r>
+          </a:p>
+        </p:txBody>
+      </p:sp>
+      <p:sp>
+        <p:nvSpPr>
+          <p:cNvPr id="4" name="TextBox 3">
+            <a:extLst>
+              <a:ext uri="{FF2B5EF4-FFF2-40B4-BE49-F238E27FC236}">
+                <a16:creationId xmlns:a16="http://schemas.microsoft.com/office/drawing/2014/main" id="{68AB3BA1-8E71-5595-1CB3-33CAE807C8DF}"/>
+              </a:ext>
+            </a:extLst>
+          </p:cNvPr>
+          <p:cNvSpPr txBox="1"/>
+          <p:nvPr/>
+        </p:nvSpPr>
+        <p:spPr>
+          <a:xfrm>
+            <a:off x="1088909" y="1912883"/>
+            <a:ext cx="4807726" cy="646331"/>
+          </a:xfrm>
+          <a:prstGeom prst="rect">
+            <a:avLst/>
+          </a:prstGeom>
+          <a:noFill/>
+        </p:spPr>
+        <p:txBody>
+          <a:bodyPr wrap="none" rtlCol="0">
+            <a:spAutoFit/>
+          </a:bodyPr>
+          <a:lstStyle/>
+          <a:p>
+            <a:pPr marL="285750" indent="-285750">
+              <a:buFont typeface="Arial" panose="020B0604020202020204" pitchFamily="34" charset="0"/>
+              <a:buChar char="•"/>
+            </a:pPr>
+            <a:r>
+              <a:rPr lang="en-US" dirty="0">
+                <a:solidFill>
+                  <a:schemeClr val="tx1">
+                    <a:lumMod val="65000"/>
+                    <a:lumOff val="35000"/>
+                  </a:schemeClr>
+                </a:solidFill>
+                <a:latin typeface="Helvetica Light" panose="020B0403020202020204" pitchFamily="34" charset="0"/>
+                <a:hlinkClick r:id="rId2">
+                  <a:extLst>
+                    <a:ext uri="{A12FA001-AC4F-418D-AE19-62706E023703}">
+                      <ahyp:hlinkClr xmlns:ahyp="http://schemas.microsoft.com/office/drawing/2018/hyperlinkcolor" val="tx"/>
+                    </a:ext>
+                  </a:extLst>
+                </a:hlinkClick>
+              </a:rPr>
+              <a:t>https://github.com/omaxim/Timezone-Shift</a:t>
+            </a:r>
+            <a:endParaRPr lang="en-US" dirty="0">
+              <a:solidFill>
+                <a:schemeClr val="tx1">
+                  <a:lumMod val="65000"/>
+                  <a:lumOff val="35000"/>
+                </a:schemeClr>
+              </a:solidFill>
+              <a:latin typeface="Helvetica Light" panose="020B0403020202020204" pitchFamily="34" charset="0"/>
+            </a:endParaRPr>
+          </a:p>
+          <a:p>
+            <a:pPr marL="285750" indent="-285750">
+              <a:buFont typeface="Arial" panose="020B0604020202020204" pitchFamily="34" charset="0"/>
+              <a:buChar char="•"/>
+            </a:pPr>
+            <a:endParaRPr lang="en-US" dirty="0">
+              <a:solidFill>
+                <a:schemeClr val="tx1">
+                  <a:lumMod val="65000"/>
+                  <a:lumOff val="35000"/>
+                </a:schemeClr>
+              </a:solidFill>
+              <a:latin typeface="Helvetica Light" panose="020B0403020202020204" pitchFamily="34" charset="0"/>
+            </a:endParaRPr>
+          </a:p>
+        </p:txBody>
+      </p:sp>
+    </p:spTree>
+    <p:extLst>
+      <p:ext uri="{BB962C8B-B14F-4D97-AF65-F5344CB8AC3E}">
+        <p14:creationId xmlns:p14="http://schemas.microsoft.com/office/powerpoint/2010/main" val="512341191"/>
       </p:ext>
     </p:extLst>
   </p:cSld>
